--- a/课件/课件3/Git版本库操作规范.pptx
+++ b/课件/课件3/Git版本库操作规范.pptx
@@ -5,7 +5,7 @@
     <p:sldMasterId id="2147483648" r:id="rId1"/>
   </p:sldMasterIdLst>
   <p:notesMasterIdLst>
-    <p:notesMasterId r:id="rId7"/>
+    <p:notesMasterId r:id="rId9"/>
   </p:notesMasterIdLst>
   <p:sldIdLst>
     <p:sldId id="277" r:id="rId2"/>
@@ -13,6 +13,8 @@
     <p:sldId id="280" r:id="rId4"/>
     <p:sldId id="278" r:id="rId5"/>
     <p:sldId id="283" r:id="rId6"/>
+    <p:sldId id="284" r:id="rId7"/>
+    <p:sldId id="286" r:id="rId8"/>
   </p:sldIdLst>
   <p:sldSz cx="9144000" cy="6858000" type="screen4x3"/>
   <p:notesSz cx="6797675" cy="9874250"/>
@@ -197,7 +199,7 @@
             <a:fld id="{A80404AB-6081-4128-A2CF-62AC60C9FE35}" type="datetimeFigureOut">
               <a:rPr lang="zh-CN" altLang="en-US" smtClean="0"/>
               <a:pPr/>
-              <a:t>2012-11-22</a:t>
+              <a:t>2012-12-3</a:t>
             </a:fld>
             <a:endParaRPr lang="zh-CN" altLang="en-US"/>
           </a:p>
@@ -1425,6 +1427,170 @@
 </p:notes>
 </file>
 
+<file path=ppt/notesSlides/notesSlide6.xml><?xml version="1.0" encoding="utf-8"?>
+<p:notes xmlns:a="http://schemas.openxmlformats.org/drawingml/2006/main" xmlns:r="http://schemas.openxmlformats.org/officeDocument/2006/relationships" xmlns:p="http://schemas.openxmlformats.org/presentationml/2006/main">
+  <p:cSld>
+    <p:spTree>
+      <p:nvGrpSpPr>
+        <p:cNvPr id="1" name=""/>
+        <p:cNvGrpSpPr/>
+        <p:nvPr/>
+      </p:nvGrpSpPr>
+      <p:grpSpPr>
+        <a:xfrm>
+          <a:off x="0" y="0"/>
+          <a:ext cx="0" cy="0"/>
+          <a:chOff x="0" y="0"/>
+          <a:chExt cx="0" cy="0"/>
+        </a:xfrm>
+      </p:grpSpPr>
+      <p:sp>
+        <p:nvSpPr>
+          <p:cNvPr id="2" name="幻灯片图像占位符 1"/>
+          <p:cNvSpPr>
+            <a:spLocks noGrp="1" noRot="1" noChangeAspect="1"/>
+          </p:cNvSpPr>
+          <p:nvPr>
+            <p:ph type="sldImg"/>
+          </p:nvPr>
+        </p:nvSpPr>
+        <p:spPr/>
+      </p:sp>
+      <p:sp>
+        <p:nvSpPr>
+          <p:cNvPr id="3" name="备注占位符 2"/>
+          <p:cNvSpPr>
+            <a:spLocks noGrp="1"/>
+          </p:cNvSpPr>
+          <p:nvPr>
+            <p:ph type="body" idx="1"/>
+          </p:nvPr>
+        </p:nvSpPr>
+        <p:spPr/>
+        <p:txBody>
+          <a:bodyPr>
+            <a:normAutofit/>
+          </a:bodyPr>
+          <a:lstStyle/>
+          <a:p>
+            <a:endParaRPr lang="en-US" altLang="zh-CN" dirty="0" smtClean="0"/>
+          </a:p>
+        </p:txBody>
+      </p:sp>
+      <p:sp>
+        <p:nvSpPr>
+          <p:cNvPr id="4" name="灯片编号占位符 3"/>
+          <p:cNvSpPr>
+            <a:spLocks noGrp="1"/>
+          </p:cNvSpPr>
+          <p:nvPr>
+            <p:ph type="sldNum" sz="quarter" idx="10"/>
+          </p:nvPr>
+        </p:nvSpPr>
+        <p:spPr/>
+        <p:txBody>
+          <a:bodyPr/>
+          <a:lstStyle/>
+          <a:p>
+            <a:fld id="{75E1676C-976A-4ED7-85D3-398D81605A2D}" type="slidenum">
+              <a:rPr lang="zh-CN" altLang="en-US" smtClean="0"/>
+              <a:pPr/>
+              <a:t>6</a:t>
+            </a:fld>
+            <a:endParaRPr lang="zh-CN" altLang="en-US"/>
+          </a:p>
+        </p:txBody>
+      </p:sp>
+    </p:spTree>
+  </p:cSld>
+  <p:clrMapOvr>
+    <a:masterClrMapping/>
+  </p:clrMapOvr>
+</p:notes>
+</file>
+
+<file path=ppt/notesSlides/notesSlide7.xml><?xml version="1.0" encoding="utf-8"?>
+<p:notes xmlns:a="http://schemas.openxmlformats.org/drawingml/2006/main" xmlns:r="http://schemas.openxmlformats.org/officeDocument/2006/relationships" xmlns:p="http://schemas.openxmlformats.org/presentationml/2006/main">
+  <p:cSld>
+    <p:spTree>
+      <p:nvGrpSpPr>
+        <p:cNvPr id="1" name=""/>
+        <p:cNvGrpSpPr/>
+        <p:nvPr/>
+      </p:nvGrpSpPr>
+      <p:grpSpPr>
+        <a:xfrm>
+          <a:off x="0" y="0"/>
+          <a:ext cx="0" cy="0"/>
+          <a:chOff x="0" y="0"/>
+          <a:chExt cx="0" cy="0"/>
+        </a:xfrm>
+      </p:grpSpPr>
+      <p:sp>
+        <p:nvSpPr>
+          <p:cNvPr id="2" name="幻灯片图像占位符 1"/>
+          <p:cNvSpPr>
+            <a:spLocks noGrp="1" noRot="1" noChangeAspect="1"/>
+          </p:cNvSpPr>
+          <p:nvPr>
+            <p:ph type="sldImg"/>
+          </p:nvPr>
+        </p:nvSpPr>
+        <p:spPr/>
+      </p:sp>
+      <p:sp>
+        <p:nvSpPr>
+          <p:cNvPr id="3" name="备注占位符 2"/>
+          <p:cNvSpPr>
+            <a:spLocks noGrp="1"/>
+          </p:cNvSpPr>
+          <p:nvPr>
+            <p:ph type="body" idx="1"/>
+          </p:nvPr>
+        </p:nvSpPr>
+        <p:spPr/>
+        <p:txBody>
+          <a:bodyPr>
+            <a:normAutofit/>
+          </a:bodyPr>
+          <a:lstStyle/>
+          <a:p>
+            <a:endParaRPr lang="en-US" altLang="zh-CN" dirty="0" smtClean="0"/>
+          </a:p>
+        </p:txBody>
+      </p:sp>
+      <p:sp>
+        <p:nvSpPr>
+          <p:cNvPr id="4" name="灯片编号占位符 3"/>
+          <p:cNvSpPr>
+            <a:spLocks noGrp="1"/>
+          </p:cNvSpPr>
+          <p:nvPr>
+            <p:ph type="sldNum" sz="quarter" idx="10"/>
+          </p:nvPr>
+        </p:nvSpPr>
+        <p:spPr/>
+        <p:txBody>
+          <a:bodyPr/>
+          <a:lstStyle/>
+          <a:p>
+            <a:fld id="{75E1676C-976A-4ED7-85D3-398D81605A2D}" type="slidenum">
+              <a:rPr lang="zh-CN" altLang="en-US" smtClean="0"/>
+              <a:pPr/>
+              <a:t>7</a:t>
+            </a:fld>
+            <a:endParaRPr lang="zh-CN" altLang="en-US"/>
+          </a:p>
+        </p:txBody>
+      </p:sp>
+    </p:spTree>
+  </p:cSld>
+  <p:clrMapOvr>
+    <a:masterClrMapping/>
+  </p:clrMapOvr>
+</p:notes>
+</file>
+
 <file path=ppt/slideLayouts/slideLayout1.xml><?xml version="1.0" encoding="utf-8"?>
 <p:sldLayout xmlns:a="http://schemas.openxmlformats.org/drawingml/2006/main" xmlns:r="http://schemas.openxmlformats.org/officeDocument/2006/relationships" xmlns:p="http://schemas.openxmlformats.org/presentationml/2006/main" type="title" preserve="1">
   <p:cSld name="标题幻灯片">
@@ -1607,7 +1773,7 @@
             <a:fld id="{530820CF-B880-4189-942D-D702A7CBA730}" type="datetimeFigureOut">
               <a:rPr lang="zh-CN" altLang="en-US" smtClean="0"/>
               <a:pPr/>
-              <a:t>2012-11-22</a:t>
+              <a:t>2012-12-3</a:t>
             </a:fld>
             <a:endParaRPr lang="zh-CN" altLang="en-US"/>
           </a:p>
@@ -1774,7 +1940,7 @@
             <a:fld id="{530820CF-B880-4189-942D-D702A7CBA730}" type="datetimeFigureOut">
               <a:rPr lang="zh-CN" altLang="en-US" smtClean="0"/>
               <a:pPr/>
-              <a:t>2012-11-22</a:t>
+              <a:t>2012-12-3</a:t>
             </a:fld>
             <a:endParaRPr lang="zh-CN" altLang="en-US"/>
           </a:p>
@@ -1951,7 +2117,7 @@
             <a:fld id="{530820CF-B880-4189-942D-D702A7CBA730}" type="datetimeFigureOut">
               <a:rPr lang="zh-CN" altLang="en-US" smtClean="0"/>
               <a:pPr/>
-              <a:t>2012-11-22</a:t>
+              <a:t>2012-12-3</a:t>
             </a:fld>
             <a:endParaRPr lang="zh-CN" altLang="en-US"/>
           </a:p>
@@ -2118,7 +2284,7 @@
             <a:fld id="{530820CF-B880-4189-942D-D702A7CBA730}" type="datetimeFigureOut">
               <a:rPr lang="zh-CN" altLang="en-US" smtClean="0"/>
               <a:pPr/>
-              <a:t>2012-11-22</a:t>
+              <a:t>2012-12-3</a:t>
             </a:fld>
             <a:endParaRPr lang="zh-CN" altLang="en-US"/>
           </a:p>
@@ -2361,7 +2527,7 @@
             <a:fld id="{530820CF-B880-4189-942D-D702A7CBA730}" type="datetimeFigureOut">
               <a:rPr lang="zh-CN" altLang="en-US" smtClean="0"/>
               <a:pPr/>
-              <a:t>2012-11-22</a:t>
+              <a:t>2012-12-3</a:t>
             </a:fld>
             <a:endParaRPr lang="zh-CN" altLang="en-US"/>
           </a:p>
@@ -2646,7 +2812,7 @@
             <a:fld id="{530820CF-B880-4189-942D-D702A7CBA730}" type="datetimeFigureOut">
               <a:rPr lang="zh-CN" altLang="en-US" smtClean="0"/>
               <a:pPr/>
-              <a:t>2012-11-22</a:t>
+              <a:t>2012-12-3</a:t>
             </a:fld>
             <a:endParaRPr lang="zh-CN" altLang="en-US"/>
           </a:p>
@@ -3065,7 +3231,7 @@
             <a:fld id="{530820CF-B880-4189-942D-D702A7CBA730}" type="datetimeFigureOut">
               <a:rPr lang="zh-CN" altLang="en-US" smtClean="0"/>
               <a:pPr/>
-              <a:t>2012-11-22</a:t>
+              <a:t>2012-12-3</a:t>
             </a:fld>
             <a:endParaRPr lang="zh-CN" altLang="en-US"/>
           </a:p>
@@ -3180,7 +3346,7 @@
             <a:fld id="{530820CF-B880-4189-942D-D702A7CBA730}" type="datetimeFigureOut">
               <a:rPr lang="zh-CN" altLang="en-US" smtClean="0"/>
               <a:pPr/>
-              <a:t>2012-11-22</a:t>
+              <a:t>2012-12-3</a:t>
             </a:fld>
             <a:endParaRPr lang="zh-CN" altLang="en-US"/>
           </a:p>
@@ -3272,7 +3438,7 @@
             <a:fld id="{530820CF-B880-4189-942D-D702A7CBA730}" type="datetimeFigureOut">
               <a:rPr lang="zh-CN" altLang="en-US" smtClean="0"/>
               <a:pPr/>
-              <a:t>2012-11-22</a:t>
+              <a:t>2012-12-3</a:t>
             </a:fld>
             <a:endParaRPr lang="zh-CN" altLang="en-US"/>
           </a:p>
@@ -3546,7 +3712,7 @@
             <a:fld id="{530820CF-B880-4189-942D-D702A7CBA730}" type="datetimeFigureOut">
               <a:rPr lang="zh-CN" altLang="en-US" smtClean="0"/>
               <a:pPr/>
-              <a:t>2012-11-22</a:t>
+              <a:t>2012-12-3</a:t>
             </a:fld>
             <a:endParaRPr lang="zh-CN" altLang="en-US"/>
           </a:p>
@@ -3796,7 +3962,7 @@
             <a:fld id="{530820CF-B880-4189-942D-D702A7CBA730}" type="datetimeFigureOut">
               <a:rPr lang="zh-CN" altLang="en-US" smtClean="0"/>
               <a:pPr/>
-              <a:t>2012-11-22</a:t>
+              <a:t>2012-12-3</a:t>
             </a:fld>
             <a:endParaRPr lang="zh-CN" altLang="en-US"/>
           </a:p>
@@ -4006,7 +4172,7 @@
             <a:fld id="{530820CF-B880-4189-942D-D702A7CBA730}" type="datetimeFigureOut">
               <a:rPr lang="zh-CN" altLang="en-US" smtClean="0"/>
               <a:pPr/>
-              <a:t>2012-11-22</a:t>
+              <a:t>2012-12-3</a:t>
             </a:fld>
             <a:endParaRPr lang="zh-CN" altLang="en-US"/>
           </a:p>
@@ -4726,7 +4892,7 @@
         <p:spPr>
           <a:xfrm>
             <a:off x="729148" y="2786058"/>
-            <a:ext cx="1556836" cy="369332"/>
+            <a:ext cx="1015021" cy="369332"/>
           </a:xfrm>
           <a:prstGeom prst="rect">
             <a:avLst/>
@@ -4756,7 +4922,7 @@
           <a:p>
             <a:r>
               <a:rPr lang="en-US" dirty="0" smtClean="0"/>
-              <a:t>6477-4.0-V1F1</a:t>
+              <a:t>6577-4.1</a:t>
             </a:r>
             <a:endParaRPr lang="zh-CN" altLang="en-US" sz="3600" dirty="0">
               <a:solidFill>
@@ -24232,6 +24398,1287 @@
 </p:sld>
 </file>
 
+<file path=ppt/slides/slide6.xml><?xml version="1.0" encoding="utf-8"?>
+<p:sld xmlns:a="http://schemas.openxmlformats.org/drawingml/2006/main" xmlns:r="http://schemas.openxmlformats.org/officeDocument/2006/relationships" xmlns:p="http://schemas.openxmlformats.org/presentationml/2006/main">
+  <p:cSld>
+    <p:spTree>
+      <p:nvGrpSpPr>
+        <p:cNvPr id="1" name=""/>
+        <p:cNvGrpSpPr/>
+        <p:nvPr/>
+      </p:nvGrpSpPr>
+      <p:grpSpPr>
+        <a:xfrm>
+          <a:off x="0" y="0"/>
+          <a:ext cx="0" cy="0"/>
+          <a:chOff x="0" y="0"/>
+          <a:chExt cx="0" cy="0"/>
+        </a:xfrm>
+      </p:grpSpPr>
+      <p:sp>
+        <p:nvSpPr>
+          <p:cNvPr id="3073" name="Rectangle 1"/>
+          <p:cNvSpPr>
+            <a:spLocks noChangeArrowheads="1"/>
+          </p:cNvSpPr>
+          <p:nvPr/>
+        </p:nvSpPr>
+        <p:spPr bwMode="auto">
+          <a:xfrm>
+            <a:off x="571472" y="642918"/>
+            <a:ext cx="6643702" cy="646331"/>
+          </a:xfrm>
+          <a:prstGeom prst="rect">
+            <a:avLst/>
+          </a:prstGeom>
+          <a:ln>
+            <a:noFill/>
+            <a:headEnd/>
+            <a:tailEnd/>
+          </a:ln>
+        </p:spPr>
+        <p:style>
+          <a:lnRef idx="2">
+            <a:schemeClr val="accent1"/>
+          </a:lnRef>
+          <a:fillRef idx="1">
+            <a:schemeClr val="lt1"/>
+          </a:fillRef>
+          <a:effectRef idx="0">
+            <a:schemeClr val="accent1"/>
+          </a:effectRef>
+          <a:fontRef idx="minor">
+            <a:schemeClr val="dk1"/>
+          </a:fontRef>
+        </p:style>
+        <p:txBody>
+          <a:bodyPr vert="horz" wrap="square" lIns="91440" tIns="45720" rIns="91440" bIns="45720" numCol="1" anchor="ctr" anchorCtr="0" compatLnSpc="1">
+            <a:prstTxWarp prst="textNoShape">
+              <a:avLst/>
+            </a:prstTxWarp>
+            <a:spAutoFit/>
+          </a:bodyPr>
+          <a:lstStyle/>
+          <a:p>
+            <a:pPr lvl="0" fontAlgn="base">
+              <a:spcBef>
+                <a:spcPct val="0"/>
+              </a:spcBef>
+              <a:spcAft>
+                <a:spcPct val="0"/>
+              </a:spcAft>
+            </a:pPr>
+            <a:r>
+              <a:rPr lang="zh-CN" altLang="en-US" sz="2800" b="1" dirty="0" smtClean="0">
+                <a:solidFill>
+                  <a:schemeClr val="tx1"/>
+                </a:solidFill>
+                <a:latin typeface="Calibri" pitchFamily="34" charset="0"/>
+                <a:ea typeface="宋体" pitchFamily="2" charset="-122"/>
+                <a:cs typeface="Times New Roman" pitchFamily="18" charset="0"/>
+              </a:rPr>
+              <a:t>查找与项目驱动相关的文件和文件夹：</a:t>
+            </a:r>
+            <a:endParaRPr kumimoji="0" lang="en-US" altLang="zh-CN" sz="2800" b="1" i="0" u="none" strike="noStrike" cap="none" normalizeH="0" baseline="0" dirty="0" smtClean="0">
+              <a:ln>
+                <a:noFill/>
+              </a:ln>
+              <a:solidFill>
+                <a:schemeClr val="tx1"/>
+              </a:solidFill>
+              <a:effectLst/>
+              <a:latin typeface="Calibri" pitchFamily="34" charset="0"/>
+              <a:ea typeface="宋体" pitchFamily="2" charset="-122"/>
+              <a:cs typeface="Times New Roman" pitchFamily="18" charset="0"/>
+            </a:endParaRPr>
+          </a:p>
+          <a:p>
+            <a:pPr marL="0" marR="0" lvl="0" indent="0" defTabSz="914400" rtl="0" eaLnBrk="1" fontAlgn="base" latinLnBrk="0" hangingPunct="1">
+              <a:lnSpc>
+                <a:spcPct val="100000"/>
+              </a:lnSpc>
+              <a:spcBef>
+                <a:spcPct val="0"/>
+              </a:spcBef>
+              <a:spcAft>
+                <a:spcPct val="0"/>
+              </a:spcAft>
+              <a:buClrTx/>
+              <a:buSzTx/>
+              <a:buFontTx/>
+              <a:buChar char="•"/>
+              <a:tabLst/>
+            </a:pPr>
+            <a:endParaRPr kumimoji="0" lang="en-US" altLang="zh-CN" sz="800" b="0" i="0" u="none" strike="noStrike" cap="none" normalizeH="0" baseline="0" dirty="0" smtClean="0">
+              <a:ln>
+                <a:noFill/>
+              </a:ln>
+              <a:solidFill>
+                <a:schemeClr val="tx1"/>
+              </a:solidFill>
+              <a:effectLst/>
+              <a:latin typeface="Arial" pitchFamily="34" charset="0"/>
+              <a:ea typeface="宋体" pitchFamily="2" charset="-122"/>
+            </a:endParaRPr>
+          </a:p>
+        </p:txBody>
+      </p:sp>
+      <p:sp>
+        <p:nvSpPr>
+          <p:cNvPr id="8" name="TextBox 7"/>
+          <p:cNvSpPr txBox="1"/>
+          <p:nvPr/>
+        </p:nvSpPr>
+        <p:spPr>
+          <a:xfrm>
+            <a:off x="3071802" y="252691"/>
+            <a:ext cx="2505814" cy="461665"/>
+          </a:xfrm>
+          <a:prstGeom prst="rect">
+            <a:avLst/>
+          </a:prstGeom>
+          <a:noFill/>
+        </p:spPr>
+        <p:txBody>
+          <a:bodyPr wrap="none" rtlCol="0">
+            <a:spAutoFit/>
+          </a:bodyPr>
+          <a:lstStyle/>
+          <a:p>
+            <a:r>
+              <a:rPr lang="zh-CN" altLang="en-US" sz="2400" b="1" dirty="0" smtClean="0"/>
+              <a:t>添加新项目驱动</a:t>
+            </a:r>
+            <a:r>
+              <a:rPr lang="en-US" altLang="zh-CN" sz="2400" b="1" dirty="0" smtClean="0"/>
+              <a:t>1</a:t>
+            </a:r>
+            <a:endParaRPr lang="zh-CN" altLang="en-US" sz="2400" b="1" dirty="0"/>
+          </a:p>
+        </p:txBody>
+      </p:sp>
+      <p:sp>
+        <p:nvSpPr>
+          <p:cNvPr id="5" name="TextBox 4"/>
+          <p:cNvSpPr txBox="1"/>
+          <p:nvPr/>
+        </p:nvSpPr>
+        <p:spPr>
+          <a:xfrm>
+            <a:off x="714348" y="2214554"/>
+            <a:ext cx="7786742" cy="2800767"/>
+          </a:xfrm>
+          <a:prstGeom prst="rect">
+            <a:avLst/>
+          </a:prstGeom>
+        </p:spPr>
+        <p:style>
+          <a:lnRef idx="2">
+            <a:schemeClr val="dk1">
+              <a:shade val="50000"/>
+            </a:schemeClr>
+          </a:lnRef>
+          <a:fillRef idx="1">
+            <a:schemeClr val="dk1"/>
+          </a:fillRef>
+          <a:effectRef idx="0">
+            <a:schemeClr val="dk1"/>
+          </a:effectRef>
+          <a:fontRef idx="minor">
+            <a:schemeClr val="lt1"/>
+          </a:fontRef>
+        </p:style>
+        <p:txBody>
+          <a:bodyPr wrap="square" rtlCol="0">
+            <a:spAutoFit/>
+          </a:bodyPr>
+          <a:lstStyle/>
+          <a:p>
+            <a:pPr marL="342900" indent="-342900"/>
+            <a:r>
+              <a:rPr lang="en-US" altLang="zh-CN" sz="1600" b="1" dirty="0" smtClean="0">
+                <a:solidFill>
+                  <a:srgbClr val="FF0000"/>
+                </a:solidFill>
+              </a:rPr>
+              <a:t>find  .  -name  *konka77_cu_jb*</a:t>
+            </a:r>
+          </a:p>
+          <a:p>
+            <a:pPr marL="342900" indent="-342900"/>
+            <a:endParaRPr lang="en-US" altLang="zh-CN" sz="1600" b="1" dirty="0" smtClean="0"/>
+          </a:p>
+          <a:p>
+            <a:pPr marL="342900" indent="-342900"/>
+            <a:r>
+              <a:rPr lang="en-US" altLang="zh-CN" sz="1600" b="1" dirty="0" smtClean="0"/>
+              <a:t>./bootable/</a:t>
+            </a:r>
+            <a:r>
+              <a:rPr lang="en-US" altLang="zh-CN" sz="1600" b="1" dirty="0" err="1" smtClean="0"/>
+              <a:t>bootloader</a:t>
+            </a:r>
+            <a:r>
+              <a:rPr lang="en-US" altLang="zh-CN" sz="1600" b="1" dirty="0" smtClean="0"/>
+              <a:t>/</a:t>
+            </a:r>
+            <a:r>
+              <a:rPr lang="en-US" altLang="zh-CN" sz="1600" b="1" dirty="0" err="1" smtClean="0"/>
+              <a:t>lk</a:t>
+            </a:r>
+            <a:r>
+              <a:rPr lang="en-US" altLang="zh-CN" sz="1600" b="1" dirty="0" smtClean="0"/>
+              <a:t>/project/konka77_cu_jb.mk</a:t>
+            </a:r>
+          </a:p>
+          <a:p>
+            <a:pPr marL="342900" indent="-342900"/>
+            <a:r>
+              <a:rPr lang="en-US" altLang="zh-CN" sz="1600" b="1" dirty="0" smtClean="0"/>
+              <a:t>./</a:t>
+            </a:r>
+            <a:r>
+              <a:rPr lang="en-US" altLang="zh-CN" sz="1600" b="1" dirty="0" err="1" smtClean="0"/>
+              <a:t>mediatek</a:t>
+            </a:r>
+            <a:r>
+              <a:rPr lang="en-US" altLang="zh-CN" sz="1600" b="1" dirty="0" smtClean="0"/>
+              <a:t>/</a:t>
+            </a:r>
+            <a:r>
+              <a:rPr lang="en-US" altLang="zh-CN" sz="1600" b="1" dirty="0" err="1" smtClean="0"/>
+              <a:t>config</a:t>
+            </a:r>
+            <a:r>
+              <a:rPr lang="en-US" altLang="zh-CN" sz="1600" b="1" dirty="0" smtClean="0"/>
+              <a:t>/konka77_cu_jb</a:t>
+            </a:r>
+          </a:p>
+          <a:p>
+            <a:pPr marL="342900" indent="-342900"/>
+            <a:r>
+              <a:rPr lang="en-US" altLang="zh-CN" sz="1600" b="1" dirty="0" smtClean="0"/>
+              <a:t>./</a:t>
+            </a:r>
+            <a:r>
+              <a:rPr lang="en-US" altLang="zh-CN" sz="1600" b="1" dirty="0" err="1" smtClean="0"/>
+              <a:t>mediatek</a:t>
+            </a:r>
+            <a:r>
+              <a:rPr lang="en-US" altLang="zh-CN" sz="1600" b="1" dirty="0" smtClean="0"/>
+              <a:t>/custom/common/modem/konka77_cu_jb_hspa_v15_w900</a:t>
+            </a:r>
+          </a:p>
+          <a:p>
+            <a:pPr marL="342900" indent="-342900"/>
+            <a:r>
+              <a:rPr lang="en-US" altLang="zh-CN" sz="1600" b="1" dirty="0" smtClean="0"/>
+              <a:t>./</a:t>
+            </a:r>
+            <a:r>
+              <a:rPr lang="en-US" altLang="zh-CN" sz="1600" b="1" dirty="0" err="1" smtClean="0"/>
+              <a:t>mediatek</a:t>
+            </a:r>
+            <a:r>
+              <a:rPr lang="en-US" altLang="zh-CN" sz="1600" b="1" dirty="0" smtClean="0"/>
+              <a:t>/custom/konka77_cu_jb</a:t>
+            </a:r>
+          </a:p>
+          <a:p>
+            <a:pPr marL="342900" indent="-342900"/>
+            <a:r>
+              <a:rPr lang="en-US" altLang="zh-CN" sz="1600" b="1" dirty="0" smtClean="0"/>
+              <a:t>./build/target/product/security/konka77_cu_jb</a:t>
+            </a:r>
+          </a:p>
+          <a:p>
+            <a:pPr marL="342900" indent="-342900"/>
+            <a:r>
+              <a:rPr lang="en-US" altLang="zh-CN" sz="1600" b="1" dirty="0" smtClean="0"/>
+              <a:t>./build/target/product/konka77_cu_jb.mk</a:t>
+            </a:r>
+          </a:p>
+          <a:p>
+            <a:pPr marL="342900" indent="-342900"/>
+            <a:r>
+              <a:rPr lang="en-US" altLang="zh-CN" sz="1600" b="1" dirty="0" smtClean="0"/>
+              <a:t>./vendor/</a:t>
+            </a:r>
+            <a:r>
+              <a:rPr lang="en-US" altLang="zh-CN" sz="1600" b="1" dirty="0" err="1" smtClean="0"/>
+              <a:t>mediatek</a:t>
+            </a:r>
+            <a:r>
+              <a:rPr lang="en-US" altLang="zh-CN" sz="1600" b="1" dirty="0" smtClean="0"/>
+              <a:t>/konka77_cu_jb</a:t>
+            </a:r>
+          </a:p>
+          <a:p>
+            <a:pPr marL="342900" indent="-342900"/>
+            <a:r>
+              <a:rPr lang="en-US" altLang="zh-CN" sz="1600" b="1" dirty="0" smtClean="0"/>
+              <a:t>./vendor/</a:t>
+            </a:r>
+            <a:r>
+              <a:rPr lang="en-US" altLang="zh-CN" sz="1600" b="1" dirty="0" err="1" smtClean="0"/>
+              <a:t>mediatek</a:t>
+            </a:r>
+            <a:r>
+              <a:rPr lang="en-US" altLang="zh-CN" sz="1600" b="1" dirty="0" smtClean="0"/>
+              <a:t>/konka77_cu_jb/artifacts/out/target/product/konka77_cu_jb</a:t>
+            </a:r>
+          </a:p>
+          <a:p>
+            <a:pPr marL="342900" indent="-342900"/>
+            <a:endParaRPr lang="zh-CN" altLang="en-US" sz="1600" b="1" dirty="0" smtClean="0"/>
+          </a:p>
+        </p:txBody>
+      </p:sp>
+    </p:spTree>
+  </p:cSld>
+  <p:clrMapOvr>
+    <a:masterClrMapping/>
+  </p:clrMapOvr>
+  <p:timing>
+    <p:tnLst>
+      <p:par>
+        <p:cTn id="1" dur="indefinite" restart="never" nodeType="tmRoot"/>
+      </p:par>
+    </p:tnLst>
+  </p:timing>
+</p:sld>
+</file>
+
+<file path=ppt/slides/slide7.xml><?xml version="1.0" encoding="utf-8"?>
+<p:sld xmlns:a="http://schemas.openxmlformats.org/drawingml/2006/main" xmlns:r="http://schemas.openxmlformats.org/officeDocument/2006/relationships" xmlns:p="http://schemas.openxmlformats.org/presentationml/2006/main">
+  <p:cSld>
+    <p:spTree>
+      <p:nvGrpSpPr>
+        <p:cNvPr id="1" name=""/>
+        <p:cNvGrpSpPr/>
+        <p:nvPr/>
+      </p:nvGrpSpPr>
+      <p:grpSpPr>
+        <a:xfrm>
+          <a:off x="0" y="0"/>
+          <a:ext cx="0" cy="0"/>
+          <a:chOff x="0" y="0"/>
+          <a:chExt cx="0" cy="0"/>
+        </a:xfrm>
+      </p:grpSpPr>
+      <p:sp>
+        <p:nvSpPr>
+          <p:cNvPr id="8" name="TextBox 7"/>
+          <p:cNvSpPr txBox="1"/>
+          <p:nvPr/>
+        </p:nvSpPr>
+        <p:spPr>
+          <a:xfrm>
+            <a:off x="3071802" y="252691"/>
+            <a:ext cx="2505814" cy="461665"/>
+          </a:xfrm>
+          <a:prstGeom prst="rect">
+            <a:avLst/>
+          </a:prstGeom>
+          <a:noFill/>
+        </p:spPr>
+        <p:txBody>
+          <a:bodyPr wrap="none" rtlCol="0">
+            <a:spAutoFit/>
+          </a:bodyPr>
+          <a:lstStyle/>
+          <a:p>
+            <a:r>
+              <a:rPr lang="zh-CN" altLang="en-US" sz="2400" b="1" dirty="0" smtClean="0"/>
+              <a:t>添加新项目驱动</a:t>
+            </a:r>
+            <a:r>
+              <a:rPr lang="en-US" altLang="zh-CN" sz="2400" b="1" dirty="0" smtClean="0"/>
+              <a:t>2</a:t>
+            </a:r>
+            <a:endParaRPr lang="zh-CN" altLang="en-US" sz="2400" b="1" dirty="0"/>
+          </a:p>
+        </p:txBody>
+      </p:sp>
+      <p:sp>
+        <p:nvSpPr>
+          <p:cNvPr id="7" name="Rectangle 1"/>
+          <p:cNvSpPr>
+            <a:spLocks noChangeArrowheads="1"/>
+          </p:cNvSpPr>
+          <p:nvPr/>
+        </p:nvSpPr>
+        <p:spPr bwMode="auto">
+          <a:xfrm>
+            <a:off x="571472" y="642919"/>
+            <a:ext cx="8286808" cy="954107"/>
+          </a:xfrm>
+          <a:prstGeom prst="rect">
+            <a:avLst/>
+          </a:prstGeom>
+          <a:ln>
+            <a:noFill/>
+            <a:headEnd/>
+            <a:tailEnd/>
+          </a:ln>
+        </p:spPr>
+        <p:style>
+          <a:lnRef idx="2">
+            <a:schemeClr val="accent1"/>
+          </a:lnRef>
+          <a:fillRef idx="1">
+            <a:schemeClr val="lt1"/>
+          </a:fillRef>
+          <a:effectRef idx="0">
+            <a:schemeClr val="accent1"/>
+          </a:effectRef>
+          <a:fontRef idx="minor">
+            <a:schemeClr val="dk1"/>
+          </a:fontRef>
+        </p:style>
+        <p:txBody>
+          <a:bodyPr vert="horz" wrap="square" lIns="91440" tIns="45720" rIns="91440" bIns="45720" numCol="1" anchor="ctr" anchorCtr="0" compatLnSpc="1">
+            <a:prstTxWarp prst="textNoShape">
+              <a:avLst/>
+            </a:prstTxWarp>
+            <a:spAutoFit/>
+          </a:bodyPr>
+          <a:lstStyle/>
+          <a:p>
+            <a:pPr lvl="0" fontAlgn="base">
+              <a:spcBef>
+                <a:spcPct val="0"/>
+              </a:spcBef>
+              <a:spcAft>
+                <a:spcPct val="0"/>
+              </a:spcAft>
+            </a:pPr>
+            <a:r>
+              <a:rPr lang="zh-CN" altLang="en-US" sz="2800" b="1" dirty="0" smtClean="0">
+                <a:solidFill>
+                  <a:schemeClr val="tx1"/>
+                </a:solidFill>
+                <a:latin typeface="Calibri" pitchFamily="34" charset="0"/>
+                <a:ea typeface="宋体" pitchFamily="2" charset="-122"/>
+                <a:cs typeface="Times New Roman" pitchFamily="18" charset="0"/>
+              </a:rPr>
+              <a:t>以既有项目为基础，创建新项目驱动</a:t>
+            </a:r>
+            <a:r>
+              <a:rPr lang="zh-CN" altLang="en-US" sz="2400" b="1" dirty="0" smtClean="0">
+                <a:solidFill>
+                  <a:srgbClr val="00B050"/>
+                </a:solidFill>
+                <a:latin typeface="Calibri" pitchFamily="34" charset="0"/>
+                <a:ea typeface="宋体" pitchFamily="2" charset="-122"/>
+                <a:cs typeface="Times New Roman" pitchFamily="18" charset="0"/>
+              </a:rPr>
+              <a:t>（脚本如下）</a:t>
+            </a:r>
+            <a:r>
+              <a:rPr lang="zh-CN" altLang="en-US" sz="2800" b="1" dirty="0" smtClean="0">
+                <a:solidFill>
+                  <a:schemeClr val="tx1"/>
+                </a:solidFill>
+                <a:latin typeface="Calibri" pitchFamily="34" charset="0"/>
+                <a:ea typeface="宋体" pitchFamily="2" charset="-122"/>
+                <a:cs typeface="Times New Roman" pitchFamily="18" charset="0"/>
+              </a:rPr>
+              <a:t>：</a:t>
+            </a:r>
+            <a:endParaRPr lang="en-US" altLang="zh-CN" sz="2800" b="1" dirty="0" smtClean="0">
+              <a:solidFill>
+                <a:schemeClr val="tx1"/>
+              </a:solidFill>
+              <a:latin typeface="Calibri" pitchFamily="34" charset="0"/>
+              <a:ea typeface="宋体" pitchFamily="2" charset="-122"/>
+              <a:cs typeface="Times New Roman" pitchFamily="18" charset="0"/>
+            </a:endParaRPr>
+          </a:p>
+          <a:p>
+            <a:pPr lvl="0" fontAlgn="base">
+              <a:spcBef>
+                <a:spcPct val="0"/>
+              </a:spcBef>
+              <a:spcAft>
+                <a:spcPct val="0"/>
+              </a:spcAft>
+            </a:pPr>
+            <a:r>
+              <a:rPr lang="en-US" altLang="zh-CN" b="1" dirty="0" smtClean="0">
+                <a:solidFill>
+                  <a:srgbClr val="FF0000"/>
+                </a:solidFill>
+                <a:latin typeface="Calibri" pitchFamily="34" charset="0"/>
+                <a:ea typeface="宋体" pitchFamily="2" charset="-122"/>
+                <a:cs typeface="Times New Roman" pitchFamily="18" charset="0"/>
+              </a:rPr>
+              <a:t>./newP.sh  konka_w900p    </a:t>
+            </a:r>
+            <a:r>
+              <a:rPr lang="en-US" altLang="zh-CN" b="1" dirty="0" smtClean="0">
+                <a:solidFill>
+                  <a:schemeClr val="tx1"/>
+                </a:solidFill>
+                <a:latin typeface="Calibri" pitchFamily="34" charset="0"/>
+                <a:ea typeface="宋体" pitchFamily="2" charset="-122"/>
+                <a:cs typeface="Times New Roman" pitchFamily="18" charset="0"/>
+              </a:rPr>
+              <a:t>--&gt;</a:t>
+            </a:r>
+            <a:r>
+              <a:rPr lang="en-US" altLang="zh-CN" b="1" dirty="0" smtClean="0">
+                <a:solidFill>
+                  <a:srgbClr val="FF0000"/>
+                </a:solidFill>
+                <a:latin typeface="Calibri" pitchFamily="34" charset="0"/>
+                <a:ea typeface="宋体" pitchFamily="2" charset="-122"/>
+                <a:cs typeface="Times New Roman" pitchFamily="18" charset="0"/>
+              </a:rPr>
+              <a:t>   ./</a:t>
+            </a:r>
+            <a:r>
+              <a:rPr lang="en-US" altLang="zh-CN" b="1" dirty="0" err="1" smtClean="0">
+                <a:solidFill>
+                  <a:srgbClr val="FF0000"/>
+                </a:solidFill>
+                <a:latin typeface="Calibri" pitchFamily="34" charset="0"/>
+                <a:ea typeface="宋体" pitchFamily="2" charset="-122"/>
+                <a:cs typeface="Times New Roman" pitchFamily="18" charset="0"/>
+              </a:rPr>
+              <a:t>mk</a:t>
+            </a:r>
+            <a:r>
+              <a:rPr lang="en-US" altLang="zh-CN" b="1" dirty="0" smtClean="0">
+                <a:solidFill>
+                  <a:srgbClr val="FF0000"/>
+                </a:solidFill>
+                <a:latin typeface="Calibri" pitchFamily="34" charset="0"/>
+                <a:ea typeface="宋体" pitchFamily="2" charset="-122"/>
+                <a:cs typeface="Times New Roman" pitchFamily="18" charset="0"/>
+              </a:rPr>
+              <a:t>  konka_w900p  new</a:t>
+            </a:r>
+            <a:endParaRPr lang="en-US" altLang="zh-CN" sz="2800" b="1" dirty="0" smtClean="0">
+              <a:solidFill>
+                <a:srgbClr val="FF0000"/>
+              </a:solidFill>
+              <a:latin typeface="Calibri" pitchFamily="34" charset="0"/>
+              <a:ea typeface="宋体" pitchFamily="2" charset="-122"/>
+              <a:cs typeface="Times New Roman" pitchFamily="18" charset="0"/>
+            </a:endParaRPr>
+          </a:p>
+          <a:p>
+            <a:pPr marL="0" marR="0" lvl="0" indent="0" defTabSz="914400" rtl="0" eaLnBrk="1" fontAlgn="base" latinLnBrk="0" hangingPunct="1">
+              <a:lnSpc>
+                <a:spcPct val="100000"/>
+              </a:lnSpc>
+              <a:spcBef>
+                <a:spcPct val="0"/>
+              </a:spcBef>
+              <a:spcAft>
+                <a:spcPct val="0"/>
+              </a:spcAft>
+              <a:buClrTx/>
+              <a:buSzTx/>
+              <a:buFontTx/>
+              <a:buChar char="•"/>
+              <a:tabLst/>
+            </a:pPr>
+            <a:endParaRPr kumimoji="0" lang="en-US" altLang="zh-CN" sz="800" b="0" i="0" u="none" strike="noStrike" cap="none" normalizeH="0" baseline="0" dirty="0" smtClean="0">
+              <a:ln>
+                <a:noFill/>
+              </a:ln>
+              <a:solidFill>
+                <a:schemeClr val="tx1"/>
+              </a:solidFill>
+              <a:effectLst/>
+              <a:latin typeface="Arial" pitchFamily="34" charset="0"/>
+              <a:ea typeface="宋体" pitchFamily="2" charset="-122"/>
+            </a:endParaRPr>
+          </a:p>
+        </p:txBody>
+      </p:sp>
+      <p:sp>
+        <p:nvSpPr>
+          <p:cNvPr id="6" name="TextBox 5"/>
+          <p:cNvSpPr txBox="1"/>
+          <p:nvPr/>
+        </p:nvSpPr>
+        <p:spPr>
+          <a:xfrm>
+            <a:off x="214282" y="1513724"/>
+            <a:ext cx="8715436" cy="5201424"/>
+          </a:xfrm>
+          <a:prstGeom prst="rect">
+            <a:avLst/>
+          </a:prstGeom>
+        </p:spPr>
+        <p:style>
+          <a:lnRef idx="2">
+            <a:schemeClr val="dk1">
+              <a:shade val="50000"/>
+            </a:schemeClr>
+          </a:lnRef>
+          <a:fillRef idx="1">
+            <a:schemeClr val="dk1"/>
+          </a:fillRef>
+          <a:effectRef idx="0">
+            <a:schemeClr val="dk1"/>
+          </a:effectRef>
+          <a:fontRef idx="minor">
+            <a:schemeClr val="lt1"/>
+          </a:fontRef>
+        </p:style>
+        <p:txBody>
+          <a:bodyPr wrap="square" rtlCol="0">
+            <a:spAutoFit/>
+          </a:bodyPr>
+          <a:lstStyle/>
+          <a:p>
+            <a:pPr marL="342900" indent="-342900"/>
+            <a:r>
+              <a:rPr lang="en-US" altLang="zh-CN" sz="1600" b="1" dirty="0" smtClean="0">
+                <a:solidFill>
+                  <a:srgbClr val="00B050"/>
+                </a:solidFill>
+              </a:rPr>
+              <a:t>#!/bin/bash</a:t>
+            </a:r>
+          </a:p>
+          <a:p>
+            <a:pPr marL="342900" indent="-342900"/>
+            <a:r>
+              <a:rPr lang="en-US" altLang="zh-CN" sz="1400" b="1" dirty="0" smtClean="0">
+                <a:solidFill>
+                  <a:srgbClr val="00B050"/>
+                </a:solidFill>
+              </a:rPr>
+              <a:t>#  </a:t>
+            </a:r>
+            <a:r>
+              <a:rPr lang="zh-CN" altLang="en-US" sz="1400" b="1" dirty="0" smtClean="0">
+                <a:solidFill>
+                  <a:srgbClr val="00B050"/>
+                </a:solidFill>
+              </a:rPr>
+              <a:t>通过命令行参数，获取新项目名字</a:t>
+            </a:r>
+          </a:p>
+          <a:p>
+            <a:pPr marL="342900" indent="-342900"/>
+            <a:r>
+              <a:rPr lang="en-US" altLang="zh-CN" b="1" dirty="0" smtClean="0">
+                <a:solidFill>
+                  <a:schemeClr val="bg1">
+                    <a:lumMod val="85000"/>
+                  </a:schemeClr>
+                </a:solidFill>
+              </a:rPr>
+              <a:t>if [ "$1" = "" ]</a:t>
+            </a:r>
+          </a:p>
+          <a:p>
+            <a:pPr marL="342900" indent="-342900"/>
+            <a:r>
+              <a:rPr lang="en-US" altLang="zh-CN" b="1" dirty="0" smtClean="0">
+                <a:solidFill>
+                  <a:schemeClr val="bg1">
+                    <a:lumMod val="85000"/>
+                  </a:schemeClr>
+                </a:solidFill>
+              </a:rPr>
+              <a:t>then</a:t>
+            </a:r>
+          </a:p>
+          <a:p>
+            <a:pPr marL="342900" indent="-342900"/>
+            <a:r>
+              <a:rPr lang="en-US" altLang="zh-CN" b="1" dirty="0" smtClean="0">
+                <a:solidFill>
+                  <a:schemeClr val="bg1">
+                    <a:lumMod val="85000"/>
+                  </a:schemeClr>
+                </a:solidFill>
+              </a:rPr>
+              <a:t>        echo Please input </a:t>
+            </a:r>
+            <a:r>
+              <a:rPr lang="en-US" altLang="zh-CN" b="1" dirty="0" err="1" smtClean="0">
+                <a:solidFill>
+                  <a:schemeClr val="bg1">
+                    <a:lumMod val="85000"/>
+                  </a:schemeClr>
+                </a:solidFill>
+              </a:rPr>
+              <a:t>projectName</a:t>
+            </a:r>
+            <a:r>
+              <a:rPr lang="en-US" altLang="zh-CN" b="1" dirty="0" smtClean="0">
+                <a:solidFill>
+                  <a:schemeClr val="bg1">
+                    <a:lumMod val="85000"/>
+                  </a:schemeClr>
+                </a:solidFill>
+              </a:rPr>
+              <a:t> !</a:t>
+            </a:r>
+          </a:p>
+          <a:p>
+            <a:pPr marL="342900" indent="-342900"/>
+            <a:r>
+              <a:rPr lang="en-US" altLang="zh-CN" b="1" dirty="0" smtClean="0">
+                <a:solidFill>
+                  <a:schemeClr val="bg1">
+                    <a:lumMod val="85000"/>
+                  </a:schemeClr>
+                </a:solidFill>
+              </a:rPr>
+              <a:t>        exit 0</a:t>
+            </a:r>
+          </a:p>
+          <a:p>
+            <a:pPr marL="342900" indent="-342900"/>
+            <a:r>
+              <a:rPr lang="en-US" altLang="zh-CN" b="1" dirty="0" err="1" smtClean="0">
+                <a:solidFill>
+                  <a:schemeClr val="bg1">
+                    <a:lumMod val="85000"/>
+                  </a:schemeClr>
+                </a:solidFill>
+              </a:rPr>
+              <a:t>fi</a:t>
+            </a:r>
+            <a:endParaRPr lang="en-US" altLang="zh-CN" b="1" dirty="0" smtClean="0">
+              <a:solidFill>
+                <a:schemeClr val="bg1">
+                  <a:lumMod val="85000"/>
+                </a:schemeClr>
+              </a:solidFill>
+            </a:endParaRPr>
+          </a:p>
+          <a:p>
+            <a:pPr marL="342900" indent="-342900"/>
+            <a:r>
+              <a:rPr lang="en-US" altLang="zh-CN" b="1" dirty="0" err="1" smtClean="0">
+                <a:solidFill>
+                  <a:srgbClr val="FFC000"/>
+                </a:solidFill>
+              </a:rPr>
+              <a:t>newP</a:t>
+            </a:r>
+            <a:r>
+              <a:rPr lang="en-US" altLang="zh-CN" b="1" dirty="0" smtClean="0">
+                <a:solidFill>
+                  <a:schemeClr val="bg1">
+                    <a:lumMod val="85000"/>
+                  </a:schemeClr>
+                </a:solidFill>
+              </a:rPr>
+              <a:t>=$1</a:t>
+            </a:r>
+          </a:p>
+          <a:p>
+            <a:pPr marL="342900" indent="-342900"/>
+            <a:r>
+              <a:rPr lang="en-US" altLang="zh-CN" sz="1400" b="1" dirty="0" smtClean="0">
+                <a:solidFill>
+                  <a:srgbClr val="00B050"/>
+                </a:solidFill>
+              </a:rPr>
+              <a:t>#  </a:t>
+            </a:r>
+            <a:r>
+              <a:rPr lang="zh-CN" altLang="en-US" sz="1400" b="1" dirty="0" smtClean="0">
+                <a:solidFill>
+                  <a:srgbClr val="00B050"/>
+                </a:solidFill>
+              </a:rPr>
+              <a:t>找到所有名字包含</a:t>
+            </a:r>
+            <a:r>
+              <a:rPr lang="en-US" altLang="zh-CN" sz="1400" b="1" dirty="0" smtClean="0">
+                <a:solidFill>
+                  <a:srgbClr val="00B050"/>
+                </a:solidFill>
+              </a:rPr>
+              <a:t>konka77_cu_jb</a:t>
+            </a:r>
+            <a:r>
+              <a:rPr lang="zh-CN" altLang="en-US" sz="1400" b="1" dirty="0" smtClean="0">
+                <a:solidFill>
+                  <a:srgbClr val="00B050"/>
+                </a:solidFill>
+              </a:rPr>
+              <a:t>字符的文件和文件夹，并把这些文件和文件夹复制成一份新项目的文件</a:t>
+            </a:r>
+          </a:p>
+          <a:p>
+            <a:pPr marL="342900" indent="-342900"/>
+            <a:r>
+              <a:rPr lang="en-US" altLang="zh-CN" sz="1400" b="1" dirty="0" smtClean="0">
+                <a:solidFill>
+                  <a:srgbClr val="00B050"/>
+                </a:solidFill>
+              </a:rPr>
+              <a:t>#  </a:t>
+            </a:r>
+            <a:r>
+              <a:rPr lang="zh-CN" altLang="en-US" sz="1400" b="1" dirty="0" smtClean="0">
+                <a:solidFill>
+                  <a:srgbClr val="00B050"/>
+                </a:solidFill>
+              </a:rPr>
+              <a:t>前提条件，代码中</a:t>
+            </a:r>
+            <a:r>
+              <a:rPr lang="en-US" altLang="zh-CN" sz="1400" b="1" dirty="0" smtClean="0">
+                <a:solidFill>
+                  <a:srgbClr val="00B050"/>
+                </a:solidFill>
+              </a:rPr>
+              <a:t>konka77_cu_jb</a:t>
+            </a:r>
+            <a:r>
+              <a:rPr lang="zh-CN" altLang="en-US" sz="1400" b="1" dirty="0" smtClean="0">
+                <a:solidFill>
+                  <a:srgbClr val="00B050"/>
+                </a:solidFill>
+              </a:rPr>
+              <a:t>项目已经存在，而且可以编译通过</a:t>
+            </a:r>
+          </a:p>
+          <a:p>
+            <a:pPr marL="342900" indent="-342900"/>
+            <a:r>
+              <a:rPr lang="en-US" altLang="zh-CN" b="1" dirty="0" smtClean="0">
+                <a:solidFill>
+                  <a:schemeClr val="bg1">
+                    <a:lumMod val="85000"/>
+                  </a:schemeClr>
+                </a:solidFill>
+              </a:rPr>
+              <a:t>for  </a:t>
+            </a:r>
+            <a:r>
+              <a:rPr lang="en-US" altLang="zh-CN" b="1" dirty="0" err="1" smtClean="0">
+                <a:solidFill>
+                  <a:srgbClr val="FFC000"/>
+                </a:solidFill>
+              </a:rPr>
+              <a:t>listP</a:t>
+            </a:r>
+            <a:r>
+              <a:rPr lang="en-US" altLang="zh-CN" b="1" dirty="0" smtClean="0">
+                <a:solidFill>
+                  <a:schemeClr val="bg1">
+                    <a:lumMod val="85000"/>
+                  </a:schemeClr>
+                </a:solidFill>
+              </a:rPr>
+              <a:t>  in  </a:t>
+            </a:r>
+            <a:r>
+              <a:rPr lang="en-US" altLang="zh-CN" b="1" dirty="0" smtClean="0">
+                <a:solidFill>
+                  <a:schemeClr val="accent6">
+                    <a:lumMod val="50000"/>
+                  </a:schemeClr>
+                </a:solidFill>
+              </a:rPr>
+              <a:t>`find . -name *konka77_cu_jb*`</a:t>
+            </a:r>
+          </a:p>
+          <a:p>
+            <a:pPr marL="342900" indent="-342900"/>
+            <a:r>
+              <a:rPr lang="en-US" altLang="zh-CN" b="1" dirty="0" smtClean="0">
+                <a:solidFill>
+                  <a:schemeClr val="bg1">
+                    <a:lumMod val="85000"/>
+                  </a:schemeClr>
+                </a:solidFill>
+              </a:rPr>
+              <a:t>do</a:t>
+            </a:r>
+          </a:p>
+          <a:p>
+            <a:pPr marL="342900" indent="-342900"/>
+            <a:r>
+              <a:rPr lang="en-US" altLang="zh-CN" b="1" dirty="0" smtClean="0">
+                <a:solidFill>
+                  <a:schemeClr val="bg1">
+                    <a:lumMod val="85000"/>
+                  </a:schemeClr>
+                </a:solidFill>
+              </a:rPr>
+              <a:t>	cp  -r   </a:t>
+            </a:r>
+            <a:r>
+              <a:rPr lang="en-US" altLang="zh-CN" b="1" dirty="0" smtClean="0">
+                <a:solidFill>
+                  <a:srgbClr val="FFC000"/>
+                </a:solidFill>
+              </a:rPr>
+              <a:t>$</a:t>
+            </a:r>
+            <a:r>
+              <a:rPr lang="en-US" altLang="zh-CN" b="1" dirty="0" err="1" smtClean="0">
+                <a:solidFill>
+                  <a:srgbClr val="FFC000"/>
+                </a:solidFill>
+              </a:rPr>
+              <a:t>listP</a:t>
+            </a:r>
+            <a:r>
+              <a:rPr lang="en-US" altLang="zh-CN" b="1" dirty="0" smtClean="0">
+                <a:solidFill>
+                  <a:schemeClr val="bg1">
+                    <a:lumMod val="85000"/>
+                  </a:schemeClr>
+                </a:solidFill>
+              </a:rPr>
+              <a:t>   </a:t>
+            </a:r>
+            <a:r>
+              <a:rPr lang="en-US" altLang="zh-CN" b="1" dirty="0" smtClean="0">
+                <a:solidFill>
+                  <a:srgbClr val="00B0F0"/>
+                </a:solidFill>
+              </a:rPr>
+              <a:t>${</a:t>
+            </a:r>
+            <a:r>
+              <a:rPr lang="en-US" altLang="zh-CN" b="1" dirty="0" err="1" smtClean="0">
+                <a:solidFill>
+                  <a:srgbClr val="00B0F0"/>
+                </a:solidFill>
+              </a:rPr>
+              <a:t>listP</a:t>
+            </a:r>
+            <a:r>
+              <a:rPr lang="en-US" altLang="zh-CN" b="1" dirty="0" smtClean="0">
+                <a:solidFill>
+                  <a:srgbClr val="00B0F0"/>
+                </a:solidFill>
+              </a:rPr>
+              <a:t>//konka77_cu_jb/$</a:t>
+            </a:r>
+            <a:r>
+              <a:rPr lang="en-US" altLang="zh-CN" b="1" dirty="0" err="1" smtClean="0">
+                <a:solidFill>
+                  <a:srgbClr val="00B0F0"/>
+                </a:solidFill>
+              </a:rPr>
+              <a:t>newP</a:t>
+            </a:r>
+            <a:r>
+              <a:rPr lang="en-US" altLang="zh-CN" b="1" dirty="0" smtClean="0">
+                <a:solidFill>
+                  <a:srgbClr val="00B0F0"/>
+                </a:solidFill>
+              </a:rPr>
+              <a:t>}</a:t>
+            </a:r>
+          </a:p>
+          <a:p>
+            <a:pPr marL="342900" indent="-342900"/>
+            <a:r>
+              <a:rPr lang="en-US" altLang="zh-CN" b="1" dirty="0" smtClean="0">
+                <a:solidFill>
+                  <a:schemeClr val="bg1">
+                    <a:lumMod val="85000"/>
+                  </a:schemeClr>
+                </a:solidFill>
+              </a:rPr>
+              <a:t>done</a:t>
+            </a:r>
+          </a:p>
+          <a:p>
+            <a:pPr marL="342900" indent="-342900"/>
+            <a:r>
+              <a:rPr lang="en-US" altLang="zh-CN" sz="1400" b="1" dirty="0" smtClean="0">
+                <a:solidFill>
+                  <a:srgbClr val="00B050"/>
+                </a:solidFill>
+              </a:rPr>
+              <a:t>#  </a:t>
+            </a:r>
+            <a:r>
+              <a:rPr lang="zh-CN" altLang="en-US" sz="1400" b="1" dirty="0" smtClean="0">
+                <a:solidFill>
+                  <a:srgbClr val="00B050"/>
+                </a:solidFill>
+              </a:rPr>
+              <a:t>修改新项目的配置文件</a:t>
+            </a:r>
+          </a:p>
+          <a:p>
+            <a:pPr marL="342900" indent="-342900"/>
+            <a:r>
+              <a:rPr lang="en-US" altLang="zh-CN" sz="1400" b="1" dirty="0" smtClean="0">
+                <a:solidFill>
+                  <a:srgbClr val="00B050"/>
+                </a:solidFill>
+              </a:rPr>
+              <a:t># ./</a:t>
+            </a:r>
+            <a:r>
+              <a:rPr lang="en-US" altLang="zh-CN" sz="1400" b="1" dirty="0" err="1" smtClean="0">
+                <a:solidFill>
+                  <a:srgbClr val="00B050"/>
+                </a:solidFill>
+              </a:rPr>
+              <a:t>mediatek</a:t>
+            </a:r>
+            <a:r>
+              <a:rPr lang="en-US" altLang="zh-CN" sz="1400" b="1" dirty="0" smtClean="0">
+                <a:solidFill>
+                  <a:srgbClr val="00B050"/>
+                </a:solidFill>
+              </a:rPr>
+              <a:t>/</a:t>
+            </a:r>
+            <a:r>
+              <a:rPr lang="en-US" altLang="zh-CN" sz="1400" b="1" dirty="0" err="1" smtClean="0">
+                <a:solidFill>
+                  <a:srgbClr val="00B050"/>
+                </a:solidFill>
+              </a:rPr>
+              <a:t>config</a:t>
+            </a:r>
+            <a:r>
+              <a:rPr lang="en-US" altLang="zh-CN" sz="1400" b="1" dirty="0" smtClean="0">
+                <a:solidFill>
+                  <a:srgbClr val="00B050"/>
+                </a:solidFill>
+              </a:rPr>
+              <a:t>/konka77_cu_jb/ProjectConfig.mk [79]</a:t>
+            </a:r>
+          </a:p>
+          <a:p>
+            <a:pPr marL="342900" indent="-342900"/>
+            <a:r>
+              <a:rPr lang="en-US" altLang="zh-CN" sz="1400" b="1" dirty="0" smtClean="0">
+                <a:solidFill>
+                  <a:srgbClr val="00B050"/>
+                </a:solidFill>
+              </a:rPr>
+              <a:t># CUSTOM_MODEM=konka77_cu_jb_hspa_v15_w900</a:t>
+            </a:r>
+          </a:p>
+          <a:p>
+            <a:pPr marL="342900" indent="-342900"/>
+            <a:r>
+              <a:rPr lang="en-US" altLang="zh-CN" b="1" dirty="0" err="1" smtClean="0">
+                <a:solidFill>
+                  <a:srgbClr val="FFC000"/>
+                </a:solidFill>
+              </a:rPr>
+              <a:t>ProjectConfig</a:t>
+            </a:r>
+            <a:r>
+              <a:rPr lang="en-US" altLang="zh-CN" b="1" dirty="0" smtClean="0">
+                <a:solidFill>
+                  <a:schemeClr val="bg1">
+                    <a:lumMod val="85000"/>
+                  </a:schemeClr>
+                </a:solidFill>
+              </a:rPr>
+              <a:t>=./</a:t>
+            </a:r>
+            <a:r>
+              <a:rPr lang="en-US" altLang="zh-CN" b="1" dirty="0" err="1" smtClean="0">
+                <a:solidFill>
+                  <a:schemeClr val="bg1">
+                    <a:lumMod val="85000"/>
+                  </a:schemeClr>
+                </a:solidFill>
+              </a:rPr>
+              <a:t>mediatek</a:t>
+            </a:r>
+            <a:r>
+              <a:rPr lang="en-US" altLang="zh-CN" b="1" dirty="0" smtClean="0">
+                <a:solidFill>
+                  <a:schemeClr val="bg1">
+                    <a:lumMod val="85000"/>
+                  </a:schemeClr>
+                </a:solidFill>
+              </a:rPr>
+              <a:t>/</a:t>
+            </a:r>
+            <a:r>
+              <a:rPr lang="en-US" altLang="zh-CN" b="1" dirty="0" err="1" smtClean="0">
+                <a:solidFill>
+                  <a:schemeClr val="bg1">
+                    <a:lumMod val="85000"/>
+                  </a:schemeClr>
+                </a:solidFill>
+              </a:rPr>
+              <a:t>config</a:t>
+            </a:r>
+            <a:r>
+              <a:rPr lang="en-US" altLang="zh-CN" b="1" dirty="0" smtClean="0">
+                <a:solidFill>
+                  <a:schemeClr val="bg1">
+                    <a:lumMod val="85000"/>
+                  </a:schemeClr>
+                </a:solidFill>
+              </a:rPr>
+              <a:t>/konka77_cu_jb/ProjectConfig.mk</a:t>
+            </a:r>
+          </a:p>
+          <a:p>
+            <a:pPr marL="342900" indent="-342900"/>
+            <a:r>
+              <a:rPr lang="en-US" altLang="zh-CN" b="1" dirty="0" err="1" smtClean="0">
+                <a:solidFill>
+                  <a:schemeClr val="bg1">
+                    <a:lumMod val="85000"/>
+                  </a:schemeClr>
+                </a:solidFill>
+              </a:rPr>
+              <a:t>sed</a:t>
+            </a:r>
+            <a:r>
+              <a:rPr lang="en-US" altLang="zh-CN" b="1" dirty="0" smtClean="0">
+                <a:solidFill>
+                  <a:schemeClr val="bg1">
+                    <a:lumMod val="85000"/>
+                  </a:schemeClr>
+                </a:solidFill>
+              </a:rPr>
+              <a:t>  -e  "s/CUSTOM_MODEM=konka77_cu_jb/CUSTOM_MODEM=</a:t>
+            </a:r>
+            <a:r>
+              <a:rPr lang="en-US" altLang="zh-CN" b="1" dirty="0" smtClean="0">
+                <a:solidFill>
+                  <a:srgbClr val="FFC000"/>
+                </a:solidFill>
+              </a:rPr>
+              <a:t>$</a:t>
+            </a:r>
+            <a:r>
+              <a:rPr lang="en-US" altLang="zh-CN" b="1" dirty="0" err="1" smtClean="0">
+                <a:solidFill>
+                  <a:srgbClr val="FFC000"/>
+                </a:solidFill>
+              </a:rPr>
+              <a:t>newP</a:t>
+            </a:r>
+            <a:r>
+              <a:rPr lang="en-US" altLang="zh-CN" b="1" dirty="0" smtClean="0">
+                <a:solidFill>
+                  <a:schemeClr val="bg1">
+                    <a:lumMod val="85000"/>
+                  </a:schemeClr>
+                </a:solidFill>
+              </a:rPr>
+              <a:t>/g"  -</a:t>
+            </a:r>
+            <a:r>
+              <a:rPr lang="en-US" altLang="zh-CN" b="1" dirty="0" err="1" smtClean="0">
+                <a:solidFill>
+                  <a:schemeClr val="bg1">
+                    <a:lumMod val="85000"/>
+                  </a:schemeClr>
+                </a:solidFill>
+              </a:rPr>
+              <a:t>i</a:t>
+            </a:r>
+            <a:r>
+              <a:rPr lang="en-US" altLang="zh-CN" b="1" dirty="0" smtClean="0">
+                <a:solidFill>
+                  <a:schemeClr val="bg1">
+                    <a:lumMod val="85000"/>
+                  </a:schemeClr>
+                </a:solidFill>
+              </a:rPr>
+              <a:t> </a:t>
+            </a:r>
+            <a:r>
+              <a:rPr lang="en-US" altLang="zh-CN" b="1" dirty="0" smtClean="0">
+                <a:solidFill>
+                  <a:srgbClr val="00B0F0"/>
+                </a:solidFill>
+              </a:rPr>
+              <a:t>${</a:t>
+            </a:r>
+            <a:r>
+              <a:rPr lang="en-US" altLang="zh-CN" b="1" dirty="0" err="1" smtClean="0">
+                <a:solidFill>
+                  <a:srgbClr val="00B0F0"/>
+                </a:solidFill>
+              </a:rPr>
+              <a:t>ProjectConfig</a:t>
+            </a:r>
+            <a:r>
+              <a:rPr lang="en-US" altLang="zh-CN" b="1" dirty="0" smtClean="0">
+                <a:solidFill>
+                  <a:srgbClr val="00B0F0"/>
+                </a:solidFill>
+              </a:rPr>
+              <a:t>//konka77_cu_jb/$</a:t>
+            </a:r>
+            <a:r>
+              <a:rPr lang="en-US" altLang="zh-CN" b="1" dirty="0" err="1" smtClean="0">
+                <a:solidFill>
+                  <a:srgbClr val="00B0F0"/>
+                </a:solidFill>
+              </a:rPr>
+              <a:t>newP</a:t>
+            </a:r>
+            <a:r>
+              <a:rPr lang="en-US" altLang="zh-CN" b="1" dirty="0" smtClean="0">
+                <a:solidFill>
+                  <a:srgbClr val="00B0F0"/>
+                </a:solidFill>
+              </a:rPr>
+              <a:t>}</a:t>
+            </a:r>
+            <a:endParaRPr lang="zh-CN" altLang="en-US" b="1" dirty="0" smtClean="0">
+              <a:solidFill>
+                <a:srgbClr val="00B0F0"/>
+              </a:solidFill>
+            </a:endParaRPr>
+          </a:p>
+        </p:txBody>
+      </p:sp>
+      <p:graphicFrame>
+        <p:nvGraphicFramePr>
+          <p:cNvPr id="1026" name="Object 2"/>
+          <p:cNvGraphicFramePr>
+            <a:graphicFrameLocks noChangeAspect="1"/>
+          </p:cNvGraphicFramePr>
+          <p:nvPr/>
+        </p:nvGraphicFramePr>
+        <p:xfrm>
+          <a:off x="8072462" y="319069"/>
+          <a:ext cx="504825" cy="466725"/>
+        </p:xfrm>
+        <a:graphic>
+          <a:graphicData uri="http://schemas.openxmlformats.org/presentationml/2006/ole">
+            <p:oleObj spid="_x0000_s1026" name="包" r:id="rId4" imgW="504720" imgH="466560" progId="Package">
+              <p:embed/>
+            </p:oleObj>
+          </a:graphicData>
+        </a:graphic>
+      </p:graphicFrame>
+    </p:spTree>
+  </p:cSld>
+  <p:clrMapOvr>
+    <a:masterClrMapping/>
+  </p:clrMapOvr>
+  <p:timing>
+    <p:tnLst>
+      <p:par>
+        <p:cTn id="1" dur="indefinite" restart="never" nodeType="tmRoot"/>
+      </p:par>
+    </p:tnLst>
+  </p:timing>
+</p:sld>
+</file>
+
 <file path=ppt/theme/theme1.xml><?xml version="1.0" encoding="utf-8"?>
 <a:theme xmlns:a="http://schemas.openxmlformats.org/drawingml/2006/main" name="Office 主题">
   <a:themeElements>
